--- a/rapports/Freetu.pptx
+++ b/rapports/Freetu.pptx
@@ -5,20 +5,23 @@
     <p:sldMasterId id="2147483648" r:id="rId1"/>
   </p:sldMasterIdLst>
   <p:notesMasterIdLst>
-    <p:notesMasterId r:id="rId13"/>
+    <p:notesMasterId r:id="rId16"/>
   </p:notesMasterIdLst>
   <p:sldIdLst>
     <p:sldId id="256" r:id="rId2"/>
     <p:sldId id="257" r:id="rId3"/>
-    <p:sldId id="258" r:id="rId4"/>
-    <p:sldId id="259" r:id="rId5"/>
-    <p:sldId id="260" r:id="rId6"/>
-    <p:sldId id="261" r:id="rId7"/>
-    <p:sldId id="266" r:id="rId8"/>
-    <p:sldId id="265" r:id="rId9"/>
-    <p:sldId id="262" r:id="rId10"/>
-    <p:sldId id="263" r:id="rId11"/>
-    <p:sldId id="264" r:id="rId12"/>
+    <p:sldId id="259" r:id="rId4"/>
+    <p:sldId id="260" r:id="rId5"/>
+    <p:sldId id="261" r:id="rId6"/>
+    <p:sldId id="265" r:id="rId7"/>
+    <p:sldId id="262" r:id="rId8"/>
+    <p:sldId id="266" r:id="rId9"/>
+    <p:sldId id="267" r:id="rId10"/>
+    <p:sldId id="270" r:id="rId11"/>
+    <p:sldId id="268" r:id="rId12"/>
+    <p:sldId id="269" r:id="rId13"/>
+    <p:sldId id="263" r:id="rId14"/>
+    <p:sldId id="264" r:id="rId15"/>
   </p:sldIdLst>
   <p:sldSz cx="12192000" cy="6858000"/>
   <p:notesSz cx="6858000" cy="9144000"/>
@@ -207,7 +210,7 @@
           <a:p>
             <a:fld id="{5015164F-FD7F-49A1-9C60-DBBA20E2EE6E}" type="datetimeFigureOut">
               <a:rPr lang="fr-FR" smtClean="0"/>
-              <a:t>08/01/2014</a:t>
+              <a:t>09/01/2014</a:t>
             </a:fld>
             <a:endParaRPr lang="fr-FR"/>
           </a:p>
@@ -735,7 +738,7 @@
           <a:p>
             <a:fld id="{D0A26A85-553C-4872-B62A-68E52910A38F}" type="datetime1">
               <a:rPr lang="en-US" smtClean="0"/>
-              <a:t>1/8/2014</a:t>
+              <a:t>1/9/2014</a:t>
             </a:fld>
             <a:endParaRPr lang="en-US" dirty="0"/>
           </a:p>
@@ -900,7 +903,7 @@
           <a:p>
             <a:fld id="{209401E1-80EB-4BCF-A45F-C57068A44812}" type="datetime1">
               <a:rPr lang="en-US" smtClean="0"/>
-              <a:t>1/8/2014</a:t>
+              <a:t>1/9/2014</a:t>
             </a:fld>
             <a:endParaRPr lang="en-US" dirty="0"/>
           </a:p>
@@ -1118,7 +1121,7 @@
           <a:p>
             <a:fld id="{4B2443FF-885F-46D0-A7BD-2C8DEE8E3556}" type="datetime1">
               <a:rPr lang="en-US" smtClean="0"/>
-              <a:t>1/8/2014</a:t>
+              <a:t>1/9/2014</a:t>
             </a:fld>
             <a:endParaRPr lang="en-US" dirty="0"/>
           </a:p>
@@ -1293,7 +1296,7 @@
           <a:p>
             <a:fld id="{01C07AFB-CFD8-488A-B1CA-518228A0693E}" type="datetime1">
               <a:rPr lang="en-US" smtClean="0"/>
-              <a:t>1/8/2014</a:t>
+              <a:t>1/9/2014</a:t>
             </a:fld>
             <a:endParaRPr lang="en-US" dirty="0"/>
           </a:p>
@@ -1594,7 +1597,7 @@
           <a:p>
             <a:fld id="{36401DF6-88EA-4D3A-AF07-53362DDD6EFC}" type="datetime1">
               <a:rPr lang="en-US" smtClean="0"/>
-              <a:t>1/8/2014</a:t>
+              <a:t>1/9/2014</a:t>
             </a:fld>
             <a:endParaRPr lang="en-US" dirty="0"/>
           </a:p>
@@ -1894,7 +1897,7 @@
           <a:p>
             <a:fld id="{C15099D1-3C26-4DE7-B1B8-24A819E37A16}" type="datetime1">
               <a:rPr lang="en-US" smtClean="0"/>
-              <a:t>1/8/2014</a:t>
+              <a:t>1/9/2014</a:t>
             </a:fld>
             <a:endParaRPr lang="en-US" dirty="0"/>
           </a:p>
@@ -2311,7 +2314,7 @@
           <a:p>
             <a:fld id="{E963E7DF-9470-4677-969F-42B31496F19C}" type="datetime1">
               <a:rPr lang="en-US" smtClean="0"/>
-              <a:t>1/8/2014</a:t>
+              <a:t>1/9/2014</a:t>
             </a:fld>
             <a:endParaRPr lang="en-US" dirty="0"/>
           </a:p>
@@ -2424,7 +2427,7 @@
           <a:p>
             <a:fld id="{BBDBC5C8-418D-4519-9438-A157F69D0542}" type="datetime1">
               <a:rPr lang="en-US" smtClean="0"/>
-              <a:t>1/8/2014</a:t>
+              <a:t>1/9/2014</a:t>
             </a:fld>
             <a:endParaRPr lang="en-US" dirty="0"/>
           </a:p>
@@ -2514,7 +2517,7 @@
           <a:p>
             <a:fld id="{BE30CAAE-1F0B-429B-A0E4-468D178E4F4F}" type="datetime1">
               <a:rPr lang="en-US" smtClean="0"/>
-              <a:t>1/8/2014</a:t>
+              <a:t>1/9/2014</a:t>
             </a:fld>
             <a:endParaRPr lang="en-US" dirty="0"/>
           </a:p>
@@ -2782,7 +2785,7 @@
           <a:p>
             <a:fld id="{4167891E-3F34-42A9-9748-6E34DB39EB35}" type="datetime1">
               <a:rPr lang="en-US" smtClean="0"/>
-              <a:t>1/8/2014</a:t>
+              <a:t>1/9/2014</a:t>
             </a:fld>
             <a:endParaRPr lang="en-US" dirty="0"/>
           </a:p>
@@ -3042,7 +3045,7 @@
           <a:p>
             <a:fld id="{2E38D6A9-9F0A-4416-BA0C-26B8EEA442DC}" type="datetime1">
               <a:rPr lang="en-US" smtClean="0"/>
-              <a:t>1/8/2014</a:t>
+              <a:t>1/9/2014</a:t>
             </a:fld>
             <a:endParaRPr lang="en-US" dirty="0"/>
           </a:p>
@@ -3286,7 +3289,7 @@
           <a:p>
             <a:fld id="{D237B37F-288C-4FC9-998F-385F66A80DFD}" type="datetime1">
               <a:rPr lang="en-US" smtClean="0"/>
-              <a:t>1/8/2014</a:t>
+              <a:t>1/9/2014</a:t>
             </a:fld>
             <a:endParaRPr lang="en-US" dirty="0"/>
           </a:p>
@@ -3843,32 +3846,8 @@
           <a:p>
             <a:r>
               <a:rPr lang="fr-FR" dirty="0"/>
-              <a:t>Planning et répartition des </a:t>
-            </a:r>
-            <a:r>
-              <a:rPr lang="fr-FR" dirty="0" smtClean="0"/>
-              <a:t>tâches</a:t>
-            </a:r>
-            <a:endParaRPr lang="fr-FR" dirty="0"/>
-          </a:p>
-        </p:txBody>
-      </p:sp>
-      <p:sp>
-        <p:nvSpPr>
-          <p:cNvPr id="3" name="Espace réservé du contenu 2"/>
-          <p:cNvSpPr>
-            <a:spLocks noGrp="1"/>
-          </p:cNvSpPr>
-          <p:nvPr>
-            <p:ph idx="1"/>
-          </p:nvPr>
-        </p:nvSpPr>
-        <p:spPr/>
-        <p:txBody>
-          <a:bodyPr/>
-          <a:lstStyle/>
-          <a:p>
-            <a:endParaRPr lang="fr-FR"/>
+              <a:t>Réalisations</a:t>
+            </a:r>
           </a:p>
         </p:txBody>
       </p:sp>
@@ -3895,10 +3874,33 @@
           </a:p>
         </p:txBody>
       </p:sp>
+      <p:sp>
+        <p:nvSpPr>
+          <p:cNvPr id="3" name="Espace réservé du contenu 2"/>
+          <p:cNvSpPr>
+            <a:spLocks noGrp="1"/>
+          </p:cNvSpPr>
+          <p:nvPr>
+            <p:ph idx="1"/>
+          </p:nvPr>
+        </p:nvSpPr>
+        <p:spPr/>
+        <p:txBody>
+          <a:bodyPr/>
+          <a:lstStyle/>
+          <a:p>
+            <a:r>
+              <a:rPr lang="fr-FR" dirty="0" smtClean="0"/>
+              <a:t>Moteur de recherche</a:t>
+            </a:r>
+            <a:endParaRPr lang="fr-FR" dirty="0"/>
+          </a:p>
+        </p:txBody>
+      </p:sp>
     </p:spTree>
     <p:extLst>
       <p:ext uri="{BB962C8B-B14F-4D97-AF65-F5344CB8AC3E}">
-        <p14:creationId xmlns:p14="http://schemas.microsoft.com/office/powerpoint/2010/main" val="2192131605"/>
+        <p14:creationId xmlns:p14="http://schemas.microsoft.com/office/powerpoint/2010/main" val="3740264270"/>
       </p:ext>
     </p:extLst>
   </p:cSld>
@@ -3957,27 +3959,8 @@
           <a:p>
             <a:r>
               <a:rPr lang="fr-FR" dirty="0"/>
-              <a:t>Conclusion</a:t>
-            </a:r>
-          </a:p>
-        </p:txBody>
-      </p:sp>
-      <p:sp>
-        <p:nvSpPr>
-          <p:cNvPr id="3" name="Espace réservé du contenu 2"/>
-          <p:cNvSpPr>
-            <a:spLocks noGrp="1"/>
-          </p:cNvSpPr>
-          <p:nvPr>
-            <p:ph idx="1"/>
-          </p:nvPr>
-        </p:nvSpPr>
-        <p:spPr/>
-        <p:txBody>
-          <a:bodyPr/>
-          <a:lstStyle/>
-          <a:p>
-            <a:endParaRPr lang="fr-FR" dirty="0"/>
+              <a:t>Réalisations</a:t>
+            </a:r>
           </a:p>
         </p:txBody>
       </p:sp>
@@ -3999,6 +3982,472 @@
             <a:fld id="{4FAB73BC-B049-4115-A692-8D63A059BFB8}" type="slidenum">
               <a:rPr lang="en-US" smtClean="0"/>
               <a:t>11</a:t>
+            </a:fld>
+            <a:endParaRPr lang="en-US" dirty="0"/>
+          </a:p>
+        </p:txBody>
+      </p:sp>
+      <p:sp>
+        <p:nvSpPr>
+          <p:cNvPr id="3" name="Espace réservé du contenu 2"/>
+          <p:cNvSpPr>
+            <a:spLocks noGrp="1"/>
+          </p:cNvSpPr>
+          <p:nvPr>
+            <p:ph idx="1"/>
+          </p:nvPr>
+        </p:nvSpPr>
+        <p:spPr/>
+        <p:txBody>
+          <a:bodyPr/>
+          <a:lstStyle/>
+          <a:p>
+            <a:r>
+              <a:rPr lang="fr-FR" dirty="0" smtClean="0"/>
+              <a:t>Langages :</a:t>
+            </a:r>
+          </a:p>
+          <a:p>
+            <a:pPr lvl="1"/>
+            <a:r>
+              <a:rPr lang="fr-FR" dirty="0" smtClean="0"/>
+              <a:t>PHP</a:t>
+            </a:r>
+          </a:p>
+          <a:p>
+            <a:pPr lvl="1"/>
+            <a:r>
+              <a:rPr lang="fr-FR" dirty="0" smtClean="0"/>
+              <a:t>JavaScript</a:t>
+            </a:r>
+          </a:p>
+          <a:p>
+            <a:pPr lvl="1"/>
+            <a:r>
+              <a:rPr lang="fr-FR" dirty="0" smtClean="0"/>
+              <a:t>HTML</a:t>
+            </a:r>
+          </a:p>
+          <a:p>
+            <a:r>
+              <a:rPr lang="fr-FR" dirty="0" smtClean="0"/>
+              <a:t>API Google </a:t>
+            </a:r>
+            <a:r>
+              <a:rPr lang="fr-FR" dirty="0" err="1" smtClean="0"/>
+              <a:t>Maps</a:t>
+            </a:r>
+            <a:endParaRPr lang="fr-FR" dirty="0" smtClean="0"/>
+          </a:p>
+          <a:p>
+            <a:r>
+              <a:rPr lang="fr-FR" dirty="0" err="1" smtClean="0"/>
+              <a:t>JSColor</a:t>
+            </a:r>
+            <a:endParaRPr lang="fr-FR" dirty="0"/>
+          </a:p>
+        </p:txBody>
+      </p:sp>
+    </p:spTree>
+    <p:extLst>
+      <p:ext uri="{BB962C8B-B14F-4D97-AF65-F5344CB8AC3E}">
+        <p14:creationId xmlns:p14="http://schemas.microsoft.com/office/powerpoint/2010/main" val="1279953495"/>
+      </p:ext>
+    </p:extLst>
+  </p:cSld>
+  <p:clrMapOvr>
+    <a:masterClrMapping/>
+  </p:clrMapOvr>
+  <p:timing>
+    <p:tnLst>
+      <p:par>
+        <p:cTn id="1" dur="indefinite" restart="never" nodeType="tmRoot"/>
+      </p:par>
+    </p:tnLst>
+  </p:timing>
+</p:sld>
+</file>
+
+<file path=ppt/slides/slide12.xml><?xml version="1.0" encoding="utf-8"?>
+<p:sld xmlns:a="http://schemas.openxmlformats.org/drawingml/2006/main" xmlns:r="http://schemas.openxmlformats.org/officeDocument/2006/relationships" xmlns:p="http://schemas.openxmlformats.org/presentationml/2006/main">
+  <p:cSld>
+    <p:bg>
+      <p:bgPr>
+        <a:solidFill>
+          <a:srgbClr val="0078E7"/>
+        </a:solidFill>
+        <a:effectLst/>
+      </p:bgPr>
+    </p:bg>
+    <p:spTree>
+      <p:nvGrpSpPr>
+        <p:cNvPr id="1" name=""/>
+        <p:cNvGrpSpPr/>
+        <p:nvPr/>
+      </p:nvGrpSpPr>
+      <p:grpSpPr>
+        <a:xfrm>
+          <a:off x="0" y="0"/>
+          <a:ext cx="0" cy="0"/>
+          <a:chOff x="0" y="0"/>
+          <a:chExt cx="0" cy="0"/>
+        </a:xfrm>
+      </p:grpSpPr>
+      <p:sp>
+        <p:nvSpPr>
+          <p:cNvPr id="2" name="Titre 1"/>
+          <p:cNvSpPr>
+            <a:spLocks noGrp="1"/>
+          </p:cNvSpPr>
+          <p:nvPr>
+            <p:ph type="title"/>
+          </p:nvPr>
+        </p:nvSpPr>
+        <p:spPr/>
+        <p:txBody>
+          <a:bodyPr/>
+          <a:lstStyle/>
+          <a:p>
+            <a:r>
+              <a:rPr lang="fr-FR" dirty="0" smtClean="0"/>
+              <a:t>Améliorations possibles</a:t>
+            </a:r>
+            <a:endParaRPr lang="fr-FR" dirty="0"/>
+          </a:p>
+        </p:txBody>
+      </p:sp>
+      <p:sp>
+        <p:nvSpPr>
+          <p:cNvPr id="4" name="Espace réservé du numéro de diapositive 3"/>
+          <p:cNvSpPr>
+            <a:spLocks noGrp="1"/>
+          </p:cNvSpPr>
+          <p:nvPr>
+            <p:ph type="sldNum" sz="quarter" idx="12"/>
+          </p:nvPr>
+        </p:nvSpPr>
+        <p:spPr/>
+        <p:txBody>
+          <a:bodyPr/>
+          <a:lstStyle/>
+          <a:p>
+            <a:fld id="{4FAB73BC-B049-4115-A692-8D63A059BFB8}" type="slidenum">
+              <a:rPr lang="en-US" smtClean="0"/>
+              <a:t>12</a:t>
+            </a:fld>
+            <a:endParaRPr lang="en-US" dirty="0"/>
+          </a:p>
+        </p:txBody>
+      </p:sp>
+      <p:sp>
+        <p:nvSpPr>
+          <p:cNvPr id="3" name="Espace réservé du contenu 2"/>
+          <p:cNvSpPr>
+            <a:spLocks noGrp="1"/>
+          </p:cNvSpPr>
+          <p:nvPr>
+            <p:ph idx="1"/>
+          </p:nvPr>
+        </p:nvSpPr>
+        <p:spPr/>
+        <p:txBody>
+          <a:bodyPr/>
+          <a:lstStyle/>
+          <a:p>
+            <a:r>
+              <a:rPr lang="fr-FR" dirty="0" smtClean="0"/>
+              <a:t>Améliorations du moteur de recherche</a:t>
+            </a:r>
+          </a:p>
+          <a:p>
+            <a:r>
+              <a:rPr lang="fr-FR" dirty="0" smtClean="0"/>
+              <a:t>Meilleure formulaire de création de voyage</a:t>
+            </a:r>
+          </a:p>
+          <a:p>
+            <a:endParaRPr lang="fr-FR" dirty="0" smtClean="0"/>
+          </a:p>
+          <a:p>
+            <a:endParaRPr lang="fr-FR" dirty="0"/>
+          </a:p>
+        </p:txBody>
+      </p:sp>
+    </p:spTree>
+    <p:extLst>
+      <p:ext uri="{BB962C8B-B14F-4D97-AF65-F5344CB8AC3E}">
+        <p14:creationId xmlns:p14="http://schemas.microsoft.com/office/powerpoint/2010/main" val="420597100"/>
+      </p:ext>
+    </p:extLst>
+  </p:cSld>
+  <p:clrMapOvr>
+    <a:masterClrMapping/>
+  </p:clrMapOvr>
+  <p:timing>
+    <p:tnLst>
+      <p:par>
+        <p:cTn id="1" dur="indefinite" restart="never" nodeType="tmRoot"/>
+      </p:par>
+    </p:tnLst>
+  </p:timing>
+</p:sld>
+</file>
+
+<file path=ppt/slides/slide13.xml><?xml version="1.0" encoding="utf-8"?>
+<p:sld xmlns:a="http://schemas.openxmlformats.org/drawingml/2006/main" xmlns:r="http://schemas.openxmlformats.org/officeDocument/2006/relationships" xmlns:p="http://schemas.openxmlformats.org/presentationml/2006/main">
+  <p:cSld>
+    <p:bg>
+      <p:bgPr>
+        <a:solidFill>
+          <a:srgbClr val="0078E7"/>
+        </a:solidFill>
+        <a:effectLst/>
+      </p:bgPr>
+    </p:bg>
+    <p:spTree>
+      <p:nvGrpSpPr>
+        <p:cNvPr id="1" name=""/>
+        <p:cNvGrpSpPr/>
+        <p:nvPr/>
+      </p:nvGrpSpPr>
+      <p:grpSpPr>
+        <a:xfrm>
+          <a:off x="0" y="0"/>
+          <a:ext cx="0" cy="0"/>
+          <a:chOff x="0" y="0"/>
+          <a:chExt cx="0" cy="0"/>
+        </a:xfrm>
+      </p:grpSpPr>
+      <p:sp>
+        <p:nvSpPr>
+          <p:cNvPr id="2" name="Titre 1"/>
+          <p:cNvSpPr>
+            <a:spLocks noGrp="1"/>
+          </p:cNvSpPr>
+          <p:nvPr>
+            <p:ph type="title"/>
+          </p:nvPr>
+        </p:nvSpPr>
+        <p:spPr/>
+        <p:txBody>
+          <a:bodyPr/>
+          <a:lstStyle/>
+          <a:p>
+            <a:r>
+              <a:rPr lang="fr-FR" dirty="0"/>
+              <a:t>Planning et répartition des </a:t>
+            </a:r>
+            <a:r>
+              <a:rPr lang="fr-FR" dirty="0" smtClean="0"/>
+              <a:t>tâches</a:t>
+            </a:r>
+            <a:endParaRPr lang="fr-FR" dirty="0"/>
+          </a:p>
+        </p:txBody>
+      </p:sp>
+      <p:sp>
+        <p:nvSpPr>
+          <p:cNvPr id="3" name="Espace réservé du contenu 2"/>
+          <p:cNvSpPr>
+            <a:spLocks noGrp="1"/>
+          </p:cNvSpPr>
+          <p:nvPr>
+            <p:ph idx="1"/>
+          </p:nvPr>
+        </p:nvSpPr>
+        <p:spPr/>
+        <p:txBody>
+          <a:bodyPr/>
+          <a:lstStyle/>
+          <a:p>
+            <a:r>
+              <a:rPr lang="fr-FR" dirty="0" smtClean="0"/>
+              <a:t>Planning initial</a:t>
+            </a:r>
+          </a:p>
+          <a:p>
+            <a:pPr lvl="1"/>
+            <a:r>
+              <a:rPr lang="fr-FR" dirty="0" smtClean="0"/>
+              <a:t>Création du MCD : 1 semaine</a:t>
+            </a:r>
+          </a:p>
+          <a:p>
+            <a:pPr lvl="1"/>
+            <a:r>
+              <a:rPr lang="fr-FR" dirty="0" smtClean="0"/>
+              <a:t>Création de la base de données : 2 semaine</a:t>
+            </a:r>
+          </a:p>
+          <a:p>
+            <a:pPr lvl="1"/>
+            <a:r>
+              <a:rPr lang="fr-FR" dirty="0" smtClean="0"/>
+              <a:t>Implémentation des fonctions basiques : </a:t>
+            </a:r>
+          </a:p>
+          <a:p>
+            <a:pPr lvl="1"/>
+            <a:r>
+              <a:rPr lang="fr-FR" dirty="0" smtClean="0"/>
+              <a:t>Implémentations des fonctions complexes</a:t>
+            </a:r>
+          </a:p>
+          <a:p>
+            <a:r>
+              <a:rPr lang="fr-FR" dirty="0" smtClean="0"/>
+              <a:t>Planning respecté</a:t>
+            </a:r>
+          </a:p>
+          <a:p>
+            <a:r>
+              <a:rPr lang="fr-FR" dirty="0" smtClean="0"/>
+              <a:t>Ajout de plusieurs fonctionnalités </a:t>
+            </a:r>
+            <a:r>
+              <a:rPr lang="fr-FR" dirty="0" err="1" smtClean="0"/>
+              <a:t>suplémentaire</a:t>
+            </a:r>
+            <a:endParaRPr lang="fr-FR" dirty="0"/>
+          </a:p>
+        </p:txBody>
+      </p:sp>
+      <p:sp>
+        <p:nvSpPr>
+          <p:cNvPr id="4" name="Espace réservé du numéro de diapositive 3"/>
+          <p:cNvSpPr>
+            <a:spLocks noGrp="1"/>
+          </p:cNvSpPr>
+          <p:nvPr>
+            <p:ph type="sldNum" sz="quarter" idx="12"/>
+          </p:nvPr>
+        </p:nvSpPr>
+        <p:spPr/>
+        <p:txBody>
+          <a:bodyPr/>
+          <a:lstStyle/>
+          <a:p>
+            <a:fld id="{4FAB73BC-B049-4115-A692-8D63A059BFB8}" type="slidenum">
+              <a:rPr lang="en-US" smtClean="0"/>
+              <a:t>13</a:t>
+            </a:fld>
+            <a:endParaRPr lang="en-US" dirty="0"/>
+          </a:p>
+        </p:txBody>
+      </p:sp>
+    </p:spTree>
+    <p:extLst>
+      <p:ext uri="{BB962C8B-B14F-4D97-AF65-F5344CB8AC3E}">
+        <p14:creationId xmlns:p14="http://schemas.microsoft.com/office/powerpoint/2010/main" val="2192131605"/>
+      </p:ext>
+    </p:extLst>
+  </p:cSld>
+  <p:clrMapOvr>
+    <a:masterClrMapping/>
+  </p:clrMapOvr>
+  <p:timing>
+    <p:tnLst>
+      <p:par>
+        <p:cTn id="1" dur="indefinite" restart="never" nodeType="tmRoot"/>
+      </p:par>
+    </p:tnLst>
+  </p:timing>
+</p:sld>
+</file>
+
+<file path=ppt/slides/slide14.xml><?xml version="1.0" encoding="utf-8"?>
+<p:sld xmlns:a="http://schemas.openxmlformats.org/drawingml/2006/main" xmlns:r="http://schemas.openxmlformats.org/officeDocument/2006/relationships" xmlns:p="http://schemas.openxmlformats.org/presentationml/2006/main">
+  <p:cSld>
+    <p:bg>
+      <p:bgPr>
+        <a:solidFill>
+          <a:srgbClr val="0078E7"/>
+        </a:solidFill>
+        <a:effectLst/>
+      </p:bgPr>
+    </p:bg>
+    <p:spTree>
+      <p:nvGrpSpPr>
+        <p:cNvPr id="1" name=""/>
+        <p:cNvGrpSpPr/>
+        <p:nvPr/>
+      </p:nvGrpSpPr>
+      <p:grpSpPr>
+        <a:xfrm>
+          <a:off x="0" y="0"/>
+          <a:ext cx="0" cy="0"/>
+          <a:chOff x="0" y="0"/>
+          <a:chExt cx="0" cy="0"/>
+        </a:xfrm>
+      </p:grpSpPr>
+      <p:sp>
+        <p:nvSpPr>
+          <p:cNvPr id="2" name="Titre 1"/>
+          <p:cNvSpPr>
+            <a:spLocks noGrp="1"/>
+          </p:cNvSpPr>
+          <p:nvPr>
+            <p:ph type="title"/>
+          </p:nvPr>
+        </p:nvSpPr>
+        <p:spPr/>
+        <p:txBody>
+          <a:bodyPr/>
+          <a:lstStyle/>
+          <a:p>
+            <a:r>
+              <a:rPr lang="fr-FR" dirty="0"/>
+              <a:t>Conclusion</a:t>
+            </a:r>
+          </a:p>
+        </p:txBody>
+      </p:sp>
+      <p:sp>
+        <p:nvSpPr>
+          <p:cNvPr id="3" name="Espace réservé du contenu 2"/>
+          <p:cNvSpPr>
+            <a:spLocks noGrp="1"/>
+          </p:cNvSpPr>
+          <p:nvPr>
+            <p:ph idx="1"/>
+          </p:nvPr>
+        </p:nvSpPr>
+        <p:spPr/>
+        <p:txBody>
+          <a:bodyPr/>
+          <a:lstStyle/>
+          <a:p>
+            <a:r>
+              <a:rPr lang="fr-FR" dirty="0" smtClean="0"/>
+              <a:t>Projet initial fini</a:t>
+            </a:r>
+          </a:p>
+          <a:p>
+            <a:endParaRPr lang="fr-FR" dirty="0" smtClean="0"/>
+          </a:p>
+          <a:p>
+            <a:endParaRPr lang="fr-FR" dirty="0"/>
+          </a:p>
+        </p:txBody>
+      </p:sp>
+      <p:sp>
+        <p:nvSpPr>
+          <p:cNvPr id="4" name="Espace réservé du numéro de diapositive 3"/>
+          <p:cNvSpPr>
+            <a:spLocks noGrp="1"/>
+          </p:cNvSpPr>
+          <p:nvPr>
+            <p:ph type="sldNum" sz="quarter" idx="12"/>
+          </p:nvPr>
+        </p:nvSpPr>
+        <p:spPr/>
+        <p:txBody>
+          <a:bodyPr/>
+          <a:lstStyle/>
+          <a:p>
+            <a:fld id="{4FAB73BC-B049-4115-A692-8D63A059BFB8}" type="slidenum">
+              <a:rPr lang="en-US" smtClean="0"/>
+              <a:t>14</a:t>
             </a:fld>
             <a:endParaRPr lang="en-US" dirty="0"/>
           </a:p>
@@ -4185,14 +4634,25 @@
             <p:ph type="title"/>
           </p:nvPr>
         </p:nvSpPr>
-        <p:spPr/>
-        <p:txBody>
-          <a:bodyPr/>
-          <a:lstStyle/>
-          <a:p>
+        <p:spPr>
+          <a:xfrm>
+            <a:off x="1202918" y="284176"/>
+            <a:ext cx="10334085" cy="1508760"/>
+          </a:xfrm>
+        </p:spPr>
+        <p:txBody>
+          <a:bodyPr>
+            <a:normAutofit/>
+          </a:bodyPr>
+          <a:lstStyle/>
+          <a:p>
+            <a:r>
+              <a:rPr lang="fr-FR" dirty="0"/>
+              <a:t>Présentation du contexte et du </a:t>
+            </a:r>
             <a:r>
               <a:rPr lang="fr-FR" dirty="0" smtClean="0"/>
-              <a:t>Introduction</a:t>
+              <a:t>sujet</a:t>
             </a:r>
             <a:endParaRPr lang="fr-FR" dirty="0"/>
           </a:p>
@@ -4214,9 +4674,23 @@
           <a:lstStyle/>
           <a:p>
             <a:r>
+              <a:rPr lang="fr-FR" dirty="0"/>
+              <a:t>Réalisation d’un site de covoiturage étudiant</a:t>
+            </a:r>
+          </a:p>
+          <a:p>
+            <a:r>
               <a:rPr lang="fr-FR" dirty="0" smtClean="0"/>
-              <a:t>Site de covoiturage visant les étudiants</a:t>
-            </a:r>
+              <a:t>Sites existants pas forcement pertinent</a:t>
+            </a:r>
+          </a:p>
+          <a:p>
+            <a:r>
+              <a:rPr lang="fr-FR" dirty="0" smtClean="0"/>
+              <a:t>Création de liens entres les étudiants</a:t>
+            </a:r>
+          </a:p>
+          <a:p>
             <a:endParaRPr lang="fr-FR" dirty="0"/>
           </a:p>
         </p:txBody>
@@ -4247,7 +4721,7 @@
     </p:spTree>
     <p:extLst>
       <p:ext uri="{BB962C8B-B14F-4D97-AF65-F5344CB8AC3E}">
-        <p14:creationId xmlns:p14="http://schemas.microsoft.com/office/powerpoint/2010/main" val="3295807484"/>
+        <p14:creationId xmlns:p14="http://schemas.microsoft.com/office/powerpoint/2010/main" val="2652335017"/>
       </p:ext>
     </p:extLst>
   </p:cSld>
@@ -4299,25 +4773,18 @@
             <p:ph type="title"/>
           </p:nvPr>
         </p:nvSpPr>
-        <p:spPr>
-          <a:xfrm>
-            <a:off x="1202918" y="284176"/>
-            <a:ext cx="10334085" cy="1508760"/>
-          </a:xfrm>
-        </p:spPr>
-        <p:txBody>
-          <a:bodyPr>
-            <a:normAutofit/>
-          </a:bodyPr>
+        <p:spPr/>
+        <p:txBody>
+          <a:bodyPr/>
           <a:lstStyle/>
           <a:p>
             <a:r>
               <a:rPr lang="fr-FR" dirty="0"/>
-              <a:t>Présentation du contexte et du </a:t>
+              <a:t>Cahier des </a:t>
             </a:r>
             <a:r>
               <a:rPr lang="fr-FR" dirty="0" smtClean="0"/>
-              <a:t>sujet</a:t>
+              <a:t>charges</a:t>
             </a:r>
             <a:endParaRPr lang="fr-FR" dirty="0"/>
           </a:p>
@@ -4340,17 +4807,43 @@
           <a:p>
             <a:r>
               <a:rPr lang="fr-FR" dirty="0" smtClean="0"/>
-              <a:t>Réalisation d’un site de covoiturage étudiant</a:t>
+              <a:t>Intuitif et simple</a:t>
             </a:r>
           </a:p>
           <a:p>
             <a:r>
               <a:rPr lang="fr-FR" dirty="0" smtClean="0"/>
-              <a:t>Création de liens entres les étudiants</a:t>
-            </a:r>
-          </a:p>
-          <a:p>
-            <a:endParaRPr lang="fr-FR" dirty="0"/>
+              <a:t>Intégration de la liste des universités et des villes </a:t>
+            </a:r>
+            <a:r>
+              <a:rPr lang="fr-FR" dirty="0" smtClean="0"/>
+              <a:t>françaises</a:t>
+            </a:r>
+            <a:endParaRPr lang="fr-FR" dirty="0" smtClean="0"/>
+          </a:p>
+          <a:p>
+            <a:r>
+              <a:rPr lang="fr-FR" dirty="0" smtClean="0"/>
+              <a:t>Gestion intelligente des voyages</a:t>
+            </a:r>
+          </a:p>
+          <a:p>
+            <a:r>
+              <a:rPr lang="fr-FR" dirty="0"/>
+              <a:t>Moteur de recherche</a:t>
+            </a:r>
+          </a:p>
+          <a:p>
+            <a:r>
+              <a:rPr lang="fr-FR" dirty="0" smtClean="0"/>
+              <a:t>Carnet de contacts</a:t>
+            </a:r>
+          </a:p>
+          <a:p>
+            <a:r>
+              <a:rPr lang="fr-FR" dirty="0" smtClean="0"/>
+              <a:t>Gestion complète de son compte</a:t>
+            </a:r>
           </a:p>
         </p:txBody>
       </p:sp>
@@ -4380,7 +4873,7 @@
     </p:spTree>
     <p:extLst>
       <p:ext uri="{BB962C8B-B14F-4D97-AF65-F5344CB8AC3E}">
-        <p14:creationId xmlns:p14="http://schemas.microsoft.com/office/powerpoint/2010/main" val="2652335017"/>
+        <p14:creationId xmlns:p14="http://schemas.microsoft.com/office/powerpoint/2010/main" val="2173523974"/>
       </p:ext>
     </p:extLst>
   </p:cSld>
@@ -4438,66 +4931,10 @@
           <a:lstStyle/>
           <a:p>
             <a:r>
-              <a:rPr lang="fr-FR" dirty="0"/>
-              <a:t>Cahier des </a:t>
-            </a:r>
-            <a:r>
               <a:rPr lang="fr-FR" dirty="0" smtClean="0"/>
-              <a:t>charges</a:t>
+              <a:t>Charte graphique</a:t>
             </a:r>
             <a:endParaRPr lang="fr-FR" dirty="0"/>
-          </a:p>
-        </p:txBody>
-      </p:sp>
-      <p:sp>
-        <p:nvSpPr>
-          <p:cNvPr id="3" name="Espace réservé du contenu 2"/>
-          <p:cNvSpPr>
-            <a:spLocks noGrp="1"/>
-          </p:cNvSpPr>
-          <p:nvPr>
-            <p:ph idx="1"/>
-          </p:nvPr>
-        </p:nvSpPr>
-        <p:spPr/>
-        <p:txBody>
-          <a:bodyPr/>
-          <a:lstStyle/>
-          <a:p>
-            <a:r>
-              <a:rPr lang="fr-FR" dirty="0" smtClean="0"/>
-              <a:t>Intuitif et simple</a:t>
-            </a:r>
-          </a:p>
-          <a:p>
-            <a:r>
-              <a:rPr lang="fr-FR" dirty="0" smtClean="0"/>
-              <a:t>Intégration de la liste des universités et des villes française</a:t>
-            </a:r>
-          </a:p>
-          <a:p>
-            <a:r>
-              <a:rPr lang="fr-FR" dirty="0" smtClean="0"/>
-              <a:t>Gestion intelligente des voyages</a:t>
-            </a:r>
-          </a:p>
-          <a:p>
-            <a:r>
-              <a:rPr lang="fr-FR" dirty="0" smtClean="0"/>
-              <a:t>Carnet de contacts</a:t>
-            </a:r>
-          </a:p>
-          <a:p>
-            <a:r>
-              <a:rPr lang="fr-FR" dirty="0" smtClean="0"/>
-              <a:t>Moteur de recherche</a:t>
-            </a:r>
-          </a:p>
-          <a:p>
-            <a:r>
-              <a:rPr lang="fr-FR" dirty="0" smtClean="0"/>
-              <a:t>Gestion complète de son compte</a:t>
-            </a:r>
           </a:p>
         </p:txBody>
       </p:sp>
@@ -4524,10 +4961,39 @@
           </a:p>
         </p:txBody>
       </p:sp>
+      <p:pic>
+        <p:nvPicPr>
+          <p:cNvPr id="5" name="Espace réservé du contenu 4"/>
+          <p:cNvPicPr>
+            <a:picLocks noGrp="1" noChangeAspect="1"/>
+          </p:cNvPicPr>
+          <p:nvPr>
+            <p:ph idx="1"/>
+          </p:nvPr>
+        </p:nvPicPr>
+        <p:blipFill>
+          <a:blip r:embed="rId2">
+            <a:extLst>
+              <a:ext uri="{28A0092B-C50C-407E-A947-70E740481C1C}">
+                <a14:useLocalDpi xmlns:a14="http://schemas.microsoft.com/office/drawing/2010/main" val="0"/>
+              </a:ext>
+            </a:extLst>
+          </a:blip>
+          <a:stretch>
+            <a:fillRect/>
+          </a:stretch>
+        </p:blipFill>
+        <p:spPr>
+          <a:xfrm>
+            <a:off x="2273666" y="2011363"/>
+            <a:ext cx="7642586" cy="4776616"/>
+          </a:xfrm>
+        </p:spPr>
+      </p:pic>
     </p:spTree>
     <p:extLst>
       <p:ext uri="{BB962C8B-B14F-4D97-AF65-F5344CB8AC3E}">
-        <p14:creationId xmlns:p14="http://schemas.microsoft.com/office/powerpoint/2010/main" val="2173523974"/>
+        <p14:creationId xmlns:p14="http://schemas.microsoft.com/office/powerpoint/2010/main" val="405469911"/>
       </p:ext>
     </p:extLst>
   </p:cSld>
@@ -4585,8 +5051,12 @@
           <a:lstStyle/>
           <a:p>
             <a:r>
+              <a:rPr lang="fr-FR" dirty="0"/>
+              <a:t>Base de </a:t>
+            </a:r>
+            <a:r>
               <a:rPr lang="fr-FR" dirty="0" smtClean="0"/>
-              <a:t>Charte graphique</a:t>
+              <a:t>données</a:t>
             </a:r>
             <a:endParaRPr lang="fr-FR" dirty="0"/>
           </a:p>
@@ -4617,7 +5087,7 @@
       </p:sp>
       <p:pic>
         <p:nvPicPr>
-          <p:cNvPr id="17" name="Espace réservé du contenu 16"/>
+          <p:cNvPr id="11" name="Espace réservé du contenu 10"/>
           <p:cNvPicPr>
             <a:picLocks noGrp="1" noChangeAspect="1"/>
           </p:cNvPicPr>
@@ -4639,15 +5109,15 @@
         </p:blipFill>
         <p:spPr>
           <a:xfrm>
-            <a:off x="1914314" y="1962202"/>
-            <a:ext cx="8362789" cy="4704069"/>
+            <a:off x="1360748" y="2011363"/>
+            <a:ext cx="9468917" cy="4206875"/>
           </a:xfrm>
         </p:spPr>
       </p:pic>
     </p:spTree>
     <p:extLst>
       <p:ext uri="{BB962C8B-B14F-4D97-AF65-F5344CB8AC3E}">
-        <p14:creationId xmlns:p14="http://schemas.microsoft.com/office/powerpoint/2010/main" val="405469911"/>
+        <p14:creationId xmlns:p14="http://schemas.microsoft.com/office/powerpoint/2010/main" val="1583221999"/>
       </p:ext>
     </p:extLst>
   </p:cSld>
@@ -4705,33 +5175,9 @@
           <a:lstStyle/>
           <a:p>
             <a:r>
-              <a:rPr lang="fr-FR" dirty="0" smtClean="0"/>
-              <a:t>Charte graphique</a:t>
-            </a:r>
-            <a:endParaRPr lang="fr-FR" dirty="0"/>
-          </a:p>
-        </p:txBody>
-      </p:sp>
-      <p:sp>
-        <p:nvSpPr>
-          <p:cNvPr id="4" name="Espace réservé du numéro de diapositive 3"/>
-          <p:cNvSpPr>
-            <a:spLocks noGrp="1"/>
-          </p:cNvSpPr>
-          <p:nvPr>
-            <p:ph type="sldNum" sz="quarter" idx="12"/>
-          </p:nvPr>
-        </p:nvSpPr>
-        <p:spPr/>
-        <p:txBody>
-          <a:bodyPr/>
-          <a:lstStyle/>
-          <a:p>
-            <a:fld id="{4FAB73BC-B049-4115-A692-8D63A059BFB8}" type="slidenum">
-              <a:rPr lang="en-US" smtClean="0"/>
-              <a:t>7</a:t>
-            </a:fld>
-            <a:endParaRPr lang="en-US" dirty="0"/>
+              <a:rPr lang="fr-FR" dirty="0"/>
+              <a:t>Réalisations</a:t>
+            </a:r>
           </a:p>
         </p:txBody>
       </p:sp>
@@ -4759,15 +5205,38 @@
         </p:blipFill>
         <p:spPr>
           <a:xfrm>
-            <a:off x="1913929" y="2005030"/>
-            <a:ext cx="8321608" cy="4680905"/>
+            <a:off x="2273666" y="2011363"/>
+            <a:ext cx="7642586" cy="4776616"/>
           </a:xfrm>
         </p:spPr>
       </p:pic>
+      <p:sp>
+        <p:nvSpPr>
+          <p:cNvPr id="4" name="Espace réservé du numéro de diapositive 3"/>
+          <p:cNvSpPr>
+            <a:spLocks noGrp="1"/>
+          </p:cNvSpPr>
+          <p:nvPr>
+            <p:ph type="sldNum" sz="quarter" idx="12"/>
+          </p:nvPr>
+        </p:nvSpPr>
+        <p:spPr/>
+        <p:txBody>
+          <a:bodyPr/>
+          <a:lstStyle/>
+          <a:p>
+            <a:fld id="{4FAB73BC-B049-4115-A692-8D63A059BFB8}" type="slidenum">
+              <a:rPr lang="en-US" smtClean="0"/>
+              <a:t>7</a:t>
+            </a:fld>
+            <a:endParaRPr lang="en-US" dirty="0"/>
+          </a:p>
+        </p:txBody>
+      </p:sp>
     </p:spTree>
     <p:extLst>
       <p:ext uri="{BB962C8B-B14F-4D97-AF65-F5344CB8AC3E}">
-        <p14:creationId xmlns:p14="http://schemas.microsoft.com/office/powerpoint/2010/main" val="2670749275"/>
+        <p14:creationId xmlns:p14="http://schemas.microsoft.com/office/powerpoint/2010/main" val="1102657537"/>
       </p:ext>
     </p:extLst>
   </p:cSld>
@@ -4826,35 +5295,40 @@
           <a:p>
             <a:r>
               <a:rPr lang="fr-FR" dirty="0"/>
-              <a:t>Base de </a:t>
-            </a:r>
-            <a:r>
-              <a:rPr lang="fr-FR" dirty="0" smtClean="0"/>
-              <a:t>données</a:t>
-            </a:r>
-            <a:endParaRPr lang="fr-FR" dirty="0"/>
-          </a:p>
-        </p:txBody>
-      </p:sp>
-      <p:sp>
-        <p:nvSpPr>
-          <p:cNvPr id="3" name="Espace réservé du contenu 2"/>
-          <p:cNvSpPr>
-            <a:spLocks noGrp="1"/>
-          </p:cNvSpPr>
+              <a:t>Réalisations</a:t>
+            </a:r>
+          </a:p>
+        </p:txBody>
+      </p:sp>
+      <p:pic>
+        <p:nvPicPr>
+          <p:cNvPr id="5" name="Espace réservé du contenu 4"/>
+          <p:cNvPicPr>
+            <a:picLocks noGrp="1" noChangeAspect="1"/>
+          </p:cNvPicPr>
           <p:nvPr>
             <p:ph idx="1"/>
           </p:nvPr>
-        </p:nvSpPr>
-        <p:spPr/>
-        <p:txBody>
-          <a:bodyPr/>
-          <a:lstStyle/>
-          <a:p>
-            <a:endParaRPr lang="fr-FR" dirty="0"/>
-          </a:p>
-        </p:txBody>
-      </p:sp>
+        </p:nvPicPr>
+        <p:blipFill>
+          <a:blip r:embed="rId2">
+            <a:extLst>
+              <a:ext uri="{28A0092B-C50C-407E-A947-70E740481C1C}">
+                <a14:useLocalDpi xmlns:a14="http://schemas.microsoft.com/office/drawing/2010/main" val="0"/>
+              </a:ext>
+            </a:extLst>
+          </a:blip>
+          <a:stretch>
+            <a:fillRect/>
+          </a:stretch>
+        </p:blipFill>
+        <p:spPr>
+          <a:xfrm>
+            <a:off x="2273666" y="2011363"/>
+            <a:ext cx="7642586" cy="4776616"/>
+          </a:xfrm>
+        </p:spPr>
+      </p:pic>
       <p:sp>
         <p:nvSpPr>
           <p:cNvPr id="4" name="Espace réservé du numéro de diapositive 3"/>
@@ -4881,7 +5355,7 @@
     </p:spTree>
     <p:extLst>
       <p:ext uri="{BB962C8B-B14F-4D97-AF65-F5344CB8AC3E}">
-        <p14:creationId xmlns:p14="http://schemas.microsoft.com/office/powerpoint/2010/main" val="1583221999"/>
+        <p14:creationId xmlns:p14="http://schemas.microsoft.com/office/powerpoint/2010/main" val="1815048387"/>
       </p:ext>
     </p:extLst>
   </p:cSld>
@@ -4945,25 +5419,35 @@
           </a:p>
         </p:txBody>
       </p:sp>
-      <p:sp>
-        <p:nvSpPr>
-          <p:cNvPr id="3" name="Espace réservé du contenu 2"/>
-          <p:cNvSpPr>
-            <a:spLocks noGrp="1"/>
-          </p:cNvSpPr>
+      <p:pic>
+        <p:nvPicPr>
+          <p:cNvPr id="5" name="Espace réservé du contenu 4"/>
+          <p:cNvPicPr>
+            <a:picLocks noGrp="1" noChangeAspect="1"/>
+          </p:cNvPicPr>
           <p:nvPr>
             <p:ph idx="1"/>
           </p:nvPr>
-        </p:nvSpPr>
-        <p:spPr/>
-        <p:txBody>
-          <a:bodyPr/>
-          <a:lstStyle/>
-          <a:p>
-            <a:endParaRPr lang="fr-FR"/>
-          </a:p>
-        </p:txBody>
-      </p:sp>
+        </p:nvPicPr>
+        <p:blipFill>
+          <a:blip r:embed="rId2">
+            <a:extLst>
+              <a:ext uri="{28A0092B-C50C-407E-A947-70E740481C1C}">
+                <a14:useLocalDpi xmlns:a14="http://schemas.microsoft.com/office/drawing/2010/main" val="0"/>
+              </a:ext>
+            </a:extLst>
+          </a:blip>
+          <a:stretch>
+            <a:fillRect/>
+          </a:stretch>
+        </p:blipFill>
+        <p:spPr>
+          <a:xfrm>
+            <a:off x="2273666" y="2011363"/>
+            <a:ext cx="7642586" cy="4776616"/>
+          </a:xfrm>
+        </p:spPr>
+      </p:pic>
       <p:sp>
         <p:nvSpPr>
           <p:cNvPr id="4" name="Espace réservé du numéro de diapositive 3"/>
@@ -4990,7 +5474,7 @@
     </p:spTree>
     <p:extLst>
       <p:ext uri="{BB962C8B-B14F-4D97-AF65-F5344CB8AC3E}">
-        <p14:creationId xmlns:p14="http://schemas.microsoft.com/office/powerpoint/2010/main" val="1102657537"/>
+        <p14:creationId xmlns:p14="http://schemas.microsoft.com/office/powerpoint/2010/main" val="1245583128"/>
       </p:ext>
     </p:extLst>
   </p:cSld>
